--- a/designpattern/ppt/设计模式（一）.pptx
+++ b/designpattern/ppt/设计模式（一）.pptx
@@ -5155,6 +5155,7 @@
                 <a:solidFill>
                   <a:schemeClr val="bg1"/>
                 </a:solidFill>
+                <a:hlinkClick r:id="rId2"/>
               </a:rPr>
               <a:t>单一职责</a:t>
             </a:r>
@@ -5163,6 +5164,7 @@
                 <a:solidFill>
                   <a:schemeClr val="bg1"/>
                 </a:solidFill>
+                <a:hlinkClick r:id="rId2"/>
               </a:rPr>
               <a:t>(Single Responsibility Principle</a:t>
             </a:r>
@@ -5171,6 +5173,7 @@
                 <a:solidFill>
                   <a:schemeClr val="bg1"/>
                 </a:solidFill>
+                <a:hlinkClick r:id="rId2"/>
               </a:rPr>
               <a:t>)</a:t>
             </a:r>
@@ -5209,6 +5212,7 @@
                 <a:solidFill>
                   <a:schemeClr val="bg1"/>
                 </a:solidFill>
+                <a:hlinkClick r:id="rId3"/>
               </a:rPr>
               <a:t>里氏代换</a:t>
             </a:r>
@@ -5217,6 +5221,7 @@
                 <a:solidFill>
                   <a:schemeClr val="bg1"/>
                 </a:solidFill>
+                <a:hlinkClick r:id="rId3"/>
               </a:rPr>
               <a:t>(</a:t>
             </a:r>
@@ -5225,6 +5230,7 @@
                 <a:solidFill>
                   <a:schemeClr val="bg1"/>
                 </a:solidFill>
+                <a:hlinkClick r:id="rId3"/>
               </a:rPr>
               <a:t>Liskov</a:t>
             </a:r>
@@ -5233,6 +5239,7 @@
                 <a:solidFill>
                   <a:schemeClr val="bg1"/>
                 </a:solidFill>
+                <a:hlinkClick r:id="rId3"/>
               </a:rPr>
               <a:t> Substitution Principle)</a:t>
             </a:r>
@@ -5278,6 +5285,7 @@
                 <a:solidFill>
                   <a:schemeClr val="bg1"/>
                 </a:solidFill>
+                <a:hlinkClick r:id="rId4"/>
               </a:rPr>
               <a:t>依赖倒置</a:t>
             </a:r>
@@ -5286,6 +5294,7 @@
                 <a:solidFill>
                   <a:schemeClr val="bg1"/>
                 </a:solidFill>
+                <a:hlinkClick r:id="rId4"/>
               </a:rPr>
               <a:t>(Dependence Inversion Principle)</a:t>
             </a:r>
@@ -5331,6 +5340,7 @@
                 <a:solidFill>
                   <a:schemeClr val="bg1"/>
                 </a:solidFill>
+                <a:hlinkClick r:id="rId5"/>
               </a:rPr>
               <a:t>接口隔离</a:t>
             </a:r>
@@ -5339,6 +5349,7 @@
                 <a:solidFill>
                   <a:schemeClr val="bg1"/>
                 </a:solidFill>
+                <a:hlinkClick r:id="rId5"/>
               </a:rPr>
               <a:t>(Interface Segregation Principle)</a:t>
             </a:r>
@@ -5377,6 +5388,7 @@
                 <a:solidFill>
                   <a:schemeClr val="bg1"/>
                 </a:solidFill>
+                <a:hlinkClick r:id="rId6"/>
               </a:rPr>
               <a:t>迪米特</a:t>
             </a:r>
@@ -5385,6 +5397,7 @@
                 <a:solidFill>
                   <a:schemeClr val="bg1"/>
                 </a:solidFill>
+                <a:hlinkClick r:id="rId6"/>
               </a:rPr>
               <a:t>(Demeter Principle)</a:t>
             </a:r>
@@ -5423,6 +5436,7 @@
                 <a:solidFill>
                   <a:schemeClr val="bg1"/>
                 </a:solidFill>
+                <a:hlinkClick r:id="rId7"/>
               </a:rPr>
               <a:t>开闭</a:t>
             </a:r>
@@ -5431,6 +5445,7 @@
                 <a:solidFill>
                   <a:schemeClr val="bg1"/>
                 </a:solidFill>
+                <a:hlinkClick r:id="rId7"/>
               </a:rPr>
               <a:t>(Open Close Principle)</a:t>
             </a:r>
@@ -5804,12 +5819,12 @@
           <a:p>
             <a:pPr algn="ctr"/>
             <a:r>
-              <a:rPr lang="zh-CN" altLang="en-US" sz="6000" dirty="0">
+              <a:rPr lang="zh-CN" altLang="en-US" sz="6000" dirty="0" smtClean="0">
                 <a:solidFill>
                   <a:schemeClr val="bg1"/>
                 </a:solidFill>
               </a:rPr>
-              <a:t>单一职责</a:t>
+              <a:t>小结</a:t>
             </a:r>
             <a:endParaRPr lang="zh-CN" altLang="en-US" sz="6000" dirty="0">
               <a:solidFill>
@@ -5847,23 +5862,7 @@
                   <a:schemeClr val="bg1"/>
                 </a:solidFill>
               </a:rPr>
-              <a:t>单一职责</a:t>
-            </a:r>
-            <a:r>
-              <a:rPr lang="en-US" altLang="zh-CN" sz="2400" dirty="0" smtClean="0">
-                <a:solidFill>
-                  <a:schemeClr val="bg1"/>
-                </a:solidFill>
-              </a:rPr>
-              <a:t>(Single Responsibility Principle</a:t>
-            </a:r>
-            <a:r>
-              <a:rPr lang="en-US" altLang="zh-CN" sz="2400" dirty="0">
-                <a:solidFill>
-                  <a:schemeClr val="bg1"/>
-                </a:solidFill>
-              </a:rPr>
-              <a:t>)</a:t>
+              <a:t>抽象</a:t>
             </a:r>
             <a:endParaRPr lang="zh-CN" altLang="en-US" sz="2400" dirty="0">
               <a:solidFill>
@@ -5882,7 +5881,7 @@
         <p:spPr>
           <a:xfrm>
             <a:off x="2622052" y="3287946"/>
-            <a:ext cx="7713785" cy="830997"/>
+            <a:ext cx="7713785" cy="461665"/>
           </a:xfrm>
           <a:prstGeom prst="rect">
             <a:avLst/>
@@ -5901,39 +5900,8 @@
                   <a:schemeClr val="bg1"/>
                 </a:solidFill>
               </a:rPr>
-              <a:t>里氏代换</a:t>
-            </a:r>
-            <a:r>
-              <a:rPr lang="en-US" altLang="zh-CN" sz="2400" dirty="0" smtClean="0">
-                <a:solidFill>
-                  <a:schemeClr val="bg1"/>
-                </a:solidFill>
-              </a:rPr>
-              <a:t>(</a:t>
-            </a:r>
-            <a:r>
-              <a:rPr lang="en-US" altLang="zh-CN" sz="2400" dirty="0" err="1" smtClean="0">
-                <a:solidFill>
-                  <a:schemeClr val="bg1"/>
-                </a:solidFill>
-              </a:rPr>
-              <a:t>Liskov</a:t>
-            </a:r>
-            <a:r>
-              <a:rPr lang="en-US" altLang="zh-CN" sz="2400" dirty="0" smtClean="0">
-                <a:solidFill>
-                  <a:schemeClr val="bg1"/>
-                </a:solidFill>
-              </a:rPr>
-              <a:t> Substitution Principle)</a:t>
-            </a:r>
-            <a:endParaRPr lang="zh-CN" altLang="en-US" sz="2400" dirty="0" smtClean="0">
-              <a:solidFill>
-                <a:srgbClr val="C00000"/>
-              </a:solidFill>
-            </a:endParaRPr>
-          </a:p>
-          <a:p>
+              <a:t>封装</a:t>
+            </a:r>
             <a:endParaRPr lang="zh-CN" altLang="en-US" sz="2400" dirty="0">
               <a:solidFill>
                 <a:srgbClr val="C00000"/>
@@ -5951,7 +5919,7 @@
         <p:spPr>
           <a:xfrm>
             <a:off x="2622052" y="3868665"/>
-            <a:ext cx="7713785" cy="830997"/>
+            <a:ext cx="7713785" cy="461665"/>
           </a:xfrm>
           <a:prstGeom prst="rect">
             <a:avLst/>
@@ -5970,23 +5938,8 @@
                   <a:schemeClr val="bg1"/>
                 </a:solidFill>
               </a:rPr>
-              <a:t>依赖倒置</a:t>
-            </a:r>
-            <a:r>
-              <a:rPr lang="en-US" altLang="zh-CN" sz="2400" dirty="0" smtClean="0">
-                <a:solidFill>
-                  <a:schemeClr val="bg1"/>
-                </a:solidFill>
-              </a:rPr>
-              <a:t>(Dependence Inversion Principle)</a:t>
-            </a:r>
-            <a:endParaRPr lang="zh-CN" altLang="en-US" sz="2400" dirty="0" smtClean="0">
-              <a:solidFill>
-                <a:srgbClr val="C00000"/>
-              </a:solidFill>
-            </a:endParaRPr>
-          </a:p>
-          <a:p>
+              <a:t>继承与组合</a:t>
+            </a:r>
             <a:endParaRPr lang="zh-CN" altLang="en-US" sz="2400" dirty="0">
               <a:solidFill>
                 <a:srgbClr val="C00000"/>
@@ -6023,15 +5976,7 @@
                   <a:schemeClr val="bg1"/>
                 </a:solidFill>
               </a:rPr>
-              <a:t>接口隔离</a:t>
-            </a:r>
-            <a:r>
-              <a:rPr lang="en-US" altLang="zh-CN" sz="2400" dirty="0" smtClean="0">
-                <a:solidFill>
-                  <a:schemeClr val="bg1"/>
-                </a:solidFill>
-              </a:rPr>
-              <a:t>(Interface Segregation Principle)</a:t>
+              <a:t>多态</a:t>
             </a:r>
             <a:endParaRPr lang="zh-CN" altLang="en-US" sz="2400" dirty="0">
               <a:solidFill>
@@ -6064,66 +6009,20 @@
           <a:lstStyle/>
           <a:p>
             <a:r>
+              <a:rPr lang="en-US" altLang="zh-CN" sz="2400" dirty="0" smtClean="0">
+                <a:solidFill>
+                  <a:schemeClr val="bg1"/>
+                </a:solidFill>
+              </a:rPr>
+              <a:t>6</a:t>
+            </a:r>
+            <a:r>
               <a:rPr lang="zh-CN" altLang="en-US" sz="2400" dirty="0" smtClean="0">
                 <a:solidFill>
                   <a:schemeClr val="bg1"/>
                 </a:solidFill>
               </a:rPr>
-              <a:t>迪米特</a:t>
-            </a:r>
-            <a:r>
-              <a:rPr lang="en-US" altLang="zh-CN" sz="2400" dirty="0" smtClean="0">
-                <a:solidFill>
-                  <a:schemeClr val="bg1"/>
-                </a:solidFill>
-              </a:rPr>
-              <a:t>(Demeter Principle)</a:t>
-            </a:r>
-            <a:endParaRPr lang="zh-CN" altLang="en-US" sz="2400" dirty="0">
-              <a:solidFill>
-                <a:srgbClr val="C00000"/>
-              </a:solidFill>
-            </a:endParaRPr>
-          </a:p>
-        </p:txBody>
-      </p:sp>
-      <p:sp>
-        <p:nvSpPr>
-          <p:cNvPr id="9" name="文本框 8"/>
-          <p:cNvSpPr txBox="1"/>
-          <p:nvPr/>
-        </p:nvSpPr>
-        <p:spPr>
-          <a:xfrm>
-            <a:off x="2622053" y="5733784"/>
-            <a:ext cx="7713785" cy="461665"/>
-          </a:xfrm>
-          <a:prstGeom prst="rect">
-            <a:avLst/>
-          </a:prstGeom>
-          <a:noFill/>
-        </p:spPr>
-        <p:txBody>
-          <a:bodyPr wrap="square" rtlCol="0">
-            <a:spAutoFit/>
-          </a:bodyPr>
-          <a:lstStyle/>
-          <a:p>
-            <a:r>
-              <a:rPr lang="zh-CN" altLang="en-US" sz="2400" dirty="0" smtClean="0">
-                <a:solidFill>
-                  <a:schemeClr val="bg1"/>
-                </a:solidFill>
-              </a:rPr>
-              <a:t>开闭</a:t>
-            </a:r>
-            <a:r>
-              <a:rPr lang="en-US" altLang="zh-CN" sz="2400" dirty="0" smtClean="0">
-                <a:solidFill>
-                  <a:schemeClr val="bg1"/>
-                </a:solidFill>
-              </a:rPr>
-              <a:t>(Open Close Principle)</a:t>
+              <a:t>个原则</a:t>
             </a:r>
             <a:endParaRPr lang="zh-CN" altLang="en-US" sz="2400" dirty="0">
               <a:solidFill>

--- a/designpattern/ppt/设计模式（一）.pptx
+++ b/designpattern/ppt/设计模式（一）.pptx
@@ -8,11 +8,13 @@
     <p:sldId id="256" r:id="rId2"/>
     <p:sldId id="262" r:id="rId3"/>
     <p:sldId id="257" r:id="rId4"/>
-    <p:sldId id="260" r:id="rId5"/>
-    <p:sldId id="261" r:id="rId6"/>
-    <p:sldId id="264" r:id="rId7"/>
-    <p:sldId id="259" r:id="rId8"/>
-    <p:sldId id="263" r:id="rId9"/>
+    <p:sldId id="266" r:id="rId5"/>
+    <p:sldId id="260" r:id="rId6"/>
+    <p:sldId id="261" r:id="rId7"/>
+    <p:sldId id="264" r:id="rId8"/>
+    <p:sldId id="259" r:id="rId9"/>
+    <p:sldId id="265" r:id="rId10"/>
+    <p:sldId id="267" r:id="rId11"/>
   </p:sldIdLst>
   <p:sldSz cx="12192000" cy="6858000"/>
   <p:notesSz cx="6858000" cy="9144000"/>
@@ -250,7 +252,7 @@
           <a:p>
             <a:fld id="{FE7217B6-AECB-4CF4-AA81-CA45E87CF494}" type="datetimeFigureOut">
               <a:rPr lang="zh-CN" altLang="en-US" smtClean="0"/>
-              <a:t>2016/10/31 Monday</a:t>
+              <a:t>2016/11/1 Tuesday</a:t>
             </a:fld>
             <a:endParaRPr lang="zh-CN" altLang="en-US"/>
           </a:p>
@@ -420,7 +422,7 @@
           <a:p>
             <a:fld id="{FE7217B6-AECB-4CF4-AA81-CA45E87CF494}" type="datetimeFigureOut">
               <a:rPr lang="zh-CN" altLang="en-US" smtClean="0"/>
-              <a:t>2016/10/31 Monday</a:t>
+              <a:t>2016/11/1 Tuesday</a:t>
             </a:fld>
             <a:endParaRPr lang="zh-CN" altLang="en-US"/>
           </a:p>
@@ -600,7 +602,7 @@
           <a:p>
             <a:fld id="{FE7217B6-AECB-4CF4-AA81-CA45E87CF494}" type="datetimeFigureOut">
               <a:rPr lang="zh-CN" altLang="en-US" smtClean="0"/>
-              <a:t>2016/10/31 Monday</a:t>
+              <a:t>2016/11/1 Tuesday</a:t>
             </a:fld>
             <a:endParaRPr lang="zh-CN" altLang="en-US"/>
           </a:p>
@@ -800,7 +802,7 @@
           <a:p>
             <a:fld id="{FE7217B6-AECB-4CF4-AA81-CA45E87CF494}" type="datetimeFigureOut">
               <a:rPr lang="zh-CN" altLang="en-US" smtClean="0"/>
-              <a:t>2016/10/31 Monday</a:t>
+              <a:t>2016/11/1 Tuesday</a:t>
             </a:fld>
             <a:endParaRPr lang="zh-CN" altLang="en-US"/>
           </a:p>
@@ -1046,7 +1048,7 @@
           <a:p>
             <a:fld id="{FE7217B6-AECB-4CF4-AA81-CA45E87CF494}" type="datetimeFigureOut">
               <a:rPr lang="zh-CN" altLang="en-US" smtClean="0"/>
-              <a:t>2016/10/31 Monday</a:t>
+              <a:t>2016/11/1 Tuesday</a:t>
             </a:fld>
             <a:endParaRPr lang="zh-CN" altLang="en-US"/>
           </a:p>
@@ -1278,7 +1280,7 @@
           <a:p>
             <a:fld id="{FE7217B6-AECB-4CF4-AA81-CA45E87CF494}" type="datetimeFigureOut">
               <a:rPr lang="zh-CN" altLang="en-US" smtClean="0"/>
-              <a:t>2016/10/31 Monday</a:t>
+              <a:t>2016/11/1 Tuesday</a:t>
             </a:fld>
             <a:endParaRPr lang="zh-CN" altLang="en-US"/>
           </a:p>
@@ -1645,7 +1647,7 @@
           <a:p>
             <a:fld id="{FE7217B6-AECB-4CF4-AA81-CA45E87CF494}" type="datetimeFigureOut">
               <a:rPr lang="zh-CN" altLang="en-US" smtClean="0"/>
-              <a:t>2016/10/31 Monday</a:t>
+              <a:t>2016/11/1 Tuesday</a:t>
             </a:fld>
             <a:endParaRPr lang="zh-CN" altLang="en-US"/>
           </a:p>
@@ -1763,7 +1765,7 @@
           <a:p>
             <a:fld id="{FE7217B6-AECB-4CF4-AA81-CA45E87CF494}" type="datetimeFigureOut">
               <a:rPr lang="zh-CN" altLang="en-US" smtClean="0"/>
-              <a:t>2016/10/31 Monday</a:t>
+              <a:t>2016/11/1 Tuesday</a:t>
             </a:fld>
             <a:endParaRPr lang="zh-CN" altLang="en-US"/>
           </a:p>
@@ -1858,7 +1860,7 @@
           <a:p>
             <a:fld id="{FE7217B6-AECB-4CF4-AA81-CA45E87CF494}" type="datetimeFigureOut">
               <a:rPr lang="zh-CN" altLang="en-US" smtClean="0"/>
-              <a:t>2016/10/31 Monday</a:t>
+              <a:t>2016/11/1 Tuesday</a:t>
             </a:fld>
             <a:endParaRPr lang="zh-CN" altLang="en-US"/>
           </a:p>
@@ -2135,7 +2137,7 @@
           <a:p>
             <a:fld id="{FE7217B6-AECB-4CF4-AA81-CA45E87CF494}" type="datetimeFigureOut">
               <a:rPr lang="zh-CN" altLang="en-US" smtClean="0"/>
-              <a:t>2016/10/31 Monday</a:t>
+              <a:t>2016/11/1 Tuesday</a:t>
             </a:fld>
             <a:endParaRPr lang="zh-CN" altLang="en-US"/>
           </a:p>
@@ -2388,7 +2390,7 @@
           <a:p>
             <a:fld id="{FE7217B6-AECB-4CF4-AA81-CA45E87CF494}" type="datetimeFigureOut">
               <a:rPr lang="zh-CN" altLang="en-US" smtClean="0"/>
-              <a:t>2016/10/31 Monday</a:t>
+              <a:t>2016/11/1 Tuesday</a:t>
             </a:fld>
             <a:endParaRPr lang="zh-CN" altLang="en-US"/>
           </a:p>
@@ -2604,7 +2606,7 @@
           <a:p>
             <a:fld id="{FE7217B6-AECB-4CF4-AA81-CA45E87CF494}" type="datetimeFigureOut">
               <a:rPr lang="zh-CN" altLang="en-US" smtClean="0"/>
-              <a:t>2016/10/31 Monday</a:t>
+              <a:t>2016/11/1 Tuesday</a:t>
             </a:fld>
             <a:endParaRPr lang="zh-CN" altLang="en-US"/>
           </a:p>
@@ -3340,6 +3342,120 @@
 </p:sld>
 </file>
 
+<file path=ppt/slides/slide10.xml><?xml version="1.0" encoding="utf-8"?>
+<p:sld xmlns:a="http://schemas.openxmlformats.org/drawingml/2006/main" xmlns:r="http://schemas.openxmlformats.org/officeDocument/2006/relationships" xmlns:p="http://schemas.openxmlformats.org/presentationml/2006/main">
+  <p:cSld>
+    <p:spTree>
+      <p:nvGrpSpPr>
+        <p:cNvPr id="1" name=""/>
+        <p:cNvGrpSpPr/>
+        <p:nvPr/>
+      </p:nvGrpSpPr>
+      <p:grpSpPr>
+        <a:xfrm>
+          <a:off x="0" y="0"/>
+          <a:ext cx="0" cy="0"/>
+          <a:chOff x="0" y="0"/>
+          <a:chExt cx="0" cy="0"/>
+        </a:xfrm>
+      </p:grpSpPr>
+      <p:sp>
+        <p:nvSpPr>
+          <p:cNvPr id="2" name="文本框 1"/>
+          <p:cNvSpPr txBox="1"/>
+          <p:nvPr/>
+        </p:nvSpPr>
+        <p:spPr>
+          <a:xfrm>
+            <a:off x="-306486" y="748453"/>
+            <a:ext cx="12129477" cy="1015663"/>
+          </a:xfrm>
+          <a:prstGeom prst="rect">
+            <a:avLst/>
+          </a:prstGeom>
+          <a:noFill/>
+        </p:spPr>
+        <p:txBody>
+          <a:bodyPr wrap="square" rtlCol="0">
+            <a:spAutoFit/>
+          </a:bodyPr>
+          <a:lstStyle/>
+          <a:p>
+            <a:pPr algn="ctr"/>
+            <a:r>
+              <a:rPr lang="zh-CN" altLang="en-US" sz="6000" dirty="0" smtClean="0">
+                <a:solidFill>
+                  <a:schemeClr val="bg1"/>
+                </a:solidFill>
+              </a:rPr>
+              <a:t>课后作业</a:t>
+            </a:r>
+            <a:endParaRPr lang="zh-CN" altLang="en-US" sz="6000" dirty="0">
+              <a:solidFill>
+                <a:schemeClr val="bg1"/>
+              </a:solidFill>
+            </a:endParaRPr>
+          </a:p>
+        </p:txBody>
+      </p:sp>
+      <p:sp>
+        <p:nvSpPr>
+          <p:cNvPr id="4" name="文本框 3"/>
+          <p:cNvSpPr txBox="1"/>
+          <p:nvPr/>
+        </p:nvSpPr>
+        <p:spPr>
+          <a:xfrm>
+            <a:off x="3933359" y="3251200"/>
+            <a:ext cx="4296241" cy="646331"/>
+          </a:xfrm>
+          <a:prstGeom prst="rect">
+            <a:avLst/>
+          </a:prstGeom>
+          <a:noFill/>
+        </p:spPr>
+        <p:txBody>
+          <a:bodyPr wrap="square" rtlCol="0">
+            <a:spAutoFit/>
+          </a:bodyPr>
+          <a:lstStyle/>
+          <a:p>
+            <a:r>
+              <a:rPr lang="zh-CN" altLang="en-US" dirty="0" smtClean="0">
+                <a:solidFill>
+                  <a:schemeClr val="bg1"/>
+                </a:solidFill>
+              </a:rPr>
+              <a:t>从目前的工作中，整理出一个不满足六个原则中其一原则的案例。</a:t>
+            </a:r>
+            <a:endParaRPr lang="zh-CN" altLang="en-US" dirty="0">
+              <a:solidFill>
+                <a:schemeClr val="bg1"/>
+              </a:solidFill>
+            </a:endParaRPr>
+          </a:p>
+        </p:txBody>
+      </p:sp>
+    </p:spTree>
+    <p:extLst>
+      <p:ext uri="{BB962C8B-B14F-4D97-AF65-F5344CB8AC3E}">
+        <p14:creationId xmlns:p14="http://schemas.microsoft.com/office/powerpoint/2010/main" val="4026526419"/>
+      </p:ext>
+    </p:extLst>
+  </p:cSld>
+  <p:clrMapOvr>
+    <a:masterClrMapping/>
+  </p:clrMapOvr>
+  <p:timing>
+    <p:tnLst>
+      <p:par>
+        <p:cTn id="1" dur="indefinite" restart="never" nodeType="tmRoot"/>
+      </p:par>
+    </p:tnLst>
+  </p:timing>
+</p:sld>
+</file>
+
 <file path=ppt/slides/slide2.xml><?xml version="1.0" encoding="utf-8"?>
 <p:sld xmlns:a="http://schemas.openxmlformats.org/drawingml/2006/main" xmlns:r="http://schemas.openxmlformats.org/officeDocument/2006/relationships" xmlns:p="http://schemas.openxmlformats.org/presentationml/2006/main">
   <p:cSld>
@@ -3441,7 +3557,7 @@
         </p:nvSpPr>
         <p:spPr>
           <a:xfrm>
-            <a:off x="2473565" y="2657279"/>
+            <a:off x="2473564" y="2485240"/>
             <a:ext cx="7713785" cy="461665"/>
           </a:xfrm>
           <a:prstGeom prst="rect">
@@ -3479,7 +3595,7 @@
         </p:nvSpPr>
         <p:spPr>
           <a:xfrm>
-            <a:off x="2473565" y="3610099"/>
+            <a:off x="2473564" y="3481912"/>
             <a:ext cx="7713785" cy="461665"/>
           </a:xfrm>
           <a:prstGeom prst="rect">
@@ -3555,7 +3671,7 @@
         </p:nvSpPr>
         <p:spPr>
           <a:xfrm>
-            <a:off x="2473564" y="5196623"/>
+            <a:off x="2473563" y="5336666"/>
             <a:ext cx="7713785" cy="461665"/>
           </a:xfrm>
           <a:prstGeom prst="rect">
@@ -3651,7 +3767,7 @@
                   <a:schemeClr val="bg1"/>
                 </a:solidFill>
               </a:rPr>
-              <a:t>什么是设计模式？</a:t>
+              <a:t>设计模式</a:t>
             </a:r>
             <a:endParaRPr lang="zh-CN" altLang="en-US" sz="6000" dirty="0">
               <a:solidFill>
@@ -3882,20 +3998,88 @@
           <a:p>
             <a:pPr algn="ctr"/>
             <a:r>
+              <a:rPr lang="en-US" altLang="zh-CN" sz="6000" dirty="0" smtClean="0">
+                <a:solidFill>
+                  <a:schemeClr val="bg1"/>
+                </a:solidFill>
+              </a:rPr>
+              <a:t>MVC,MVP,MVVM</a:t>
+            </a:r>
+            <a:endParaRPr lang="zh-CN" altLang="en-US" sz="6000" dirty="0">
+              <a:solidFill>
+                <a:schemeClr val="bg1"/>
+              </a:solidFill>
+            </a:endParaRPr>
+          </a:p>
+        </p:txBody>
+      </p:sp>
+    </p:spTree>
+    <p:extLst>
+      <p:ext uri="{BB962C8B-B14F-4D97-AF65-F5344CB8AC3E}">
+        <p14:creationId xmlns:p14="http://schemas.microsoft.com/office/powerpoint/2010/main" val="3870163773"/>
+      </p:ext>
+    </p:extLst>
+  </p:cSld>
+  <p:clrMapOvr>
+    <a:masterClrMapping/>
+  </p:clrMapOvr>
+  <p:timing>
+    <p:tnLst>
+      <p:par>
+        <p:cTn id="1" dur="indefinite" restart="never" nodeType="tmRoot"/>
+      </p:par>
+    </p:tnLst>
+  </p:timing>
+</p:sld>
+</file>
+
+<file path=ppt/slides/slide5.xml><?xml version="1.0" encoding="utf-8"?>
+<p:sld xmlns:a="http://schemas.openxmlformats.org/drawingml/2006/main" xmlns:r="http://schemas.openxmlformats.org/officeDocument/2006/relationships" xmlns:p="http://schemas.openxmlformats.org/presentationml/2006/main">
+  <p:cSld>
+    <p:spTree>
+      <p:nvGrpSpPr>
+        <p:cNvPr id="1" name=""/>
+        <p:cNvGrpSpPr/>
+        <p:nvPr/>
+      </p:nvGrpSpPr>
+      <p:grpSpPr>
+        <a:xfrm>
+          <a:off x="0" y="0"/>
+          <a:ext cx="0" cy="0"/>
+          <a:chOff x="0" y="0"/>
+          <a:chExt cx="0" cy="0"/>
+        </a:xfrm>
+      </p:grpSpPr>
+      <p:sp>
+        <p:nvSpPr>
+          <p:cNvPr id="2" name="文本框 1"/>
+          <p:cNvSpPr txBox="1"/>
+          <p:nvPr/>
+        </p:nvSpPr>
+        <p:spPr>
+          <a:xfrm>
+            <a:off x="0" y="1117601"/>
+            <a:ext cx="12129477" cy="1015663"/>
+          </a:xfrm>
+          <a:prstGeom prst="rect">
+            <a:avLst/>
+          </a:prstGeom>
+          <a:noFill/>
+        </p:spPr>
+        <p:txBody>
+          <a:bodyPr wrap="square" rtlCol="0">
+            <a:spAutoFit/>
+          </a:bodyPr>
+          <a:lstStyle/>
+          <a:p>
+            <a:pPr algn="ctr"/>
+            <a:r>
               <a:rPr lang="zh-CN" altLang="en-US" sz="6000" dirty="0" smtClean="0">
                 <a:solidFill>
                   <a:srgbClr val="C00000"/>
                 </a:solidFill>
               </a:rPr>
               <a:t>抽象</a:t>
-            </a:r>
-            <a:r>
-              <a:rPr lang="zh-CN" altLang="en-US" sz="6000" dirty="0" smtClean="0">
-                <a:solidFill>
-                  <a:schemeClr val="bg1"/>
-                </a:solidFill>
-              </a:rPr>
-              <a:t>贯穿于整个设计模式</a:t>
             </a:r>
             <a:endParaRPr lang="zh-CN" altLang="en-US" sz="6000" dirty="0">
               <a:solidFill>
@@ -4326,7 +4510,7 @@
 </p:sld>
 </file>
 
-<file path=ppt/slides/slide5.xml><?xml version="1.0" encoding="utf-8"?>
+<file path=ppt/slides/slide6.xml><?xml version="1.0" encoding="utf-8"?>
 <p:sld xmlns:a="http://schemas.openxmlformats.org/drawingml/2006/main" xmlns:r="http://schemas.openxmlformats.org/officeDocument/2006/relationships" xmlns:p="http://schemas.openxmlformats.org/presentationml/2006/main">
   <p:cSld>
     <p:spTree>
@@ -4687,7 +4871,7 @@
 </p:sld>
 </file>
 
-<file path=ppt/slides/slide6.xml><?xml version="1.0" encoding="utf-8"?>
+<file path=ppt/slides/slide7.xml><?xml version="1.0" encoding="utf-8"?>
 <p:sld xmlns:a="http://schemas.openxmlformats.org/drawingml/2006/main" xmlns:r="http://schemas.openxmlformats.org/officeDocument/2006/relationships" xmlns:p="http://schemas.openxmlformats.org/presentationml/2006/main">
   <p:cSld>
     <p:spTree>
@@ -4752,7 +4936,7 @@
         <p:spPr>
           <a:xfrm>
             <a:off x="2469658" y="2657679"/>
-            <a:ext cx="7713785" cy="461665"/>
+            <a:ext cx="8717326" cy="461665"/>
           </a:xfrm>
           <a:prstGeom prst="rect">
             <a:avLst/>
@@ -4776,16 +4960,59 @@
             <a:r>
               <a:rPr lang="zh-CN" altLang="en-US" sz="1600" dirty="0">
                 <a:solidFill>
+                  <a:srgbClr val="FF0000"/>
+                </a:solidFill>
+              </a:rPr>
+              <a:t>简单工厂模式</a:t>
+            </a:r>
+            <a:r>
+              <a:rPr lang="zh-CN" altLang="en-US" sz="1600" dirty="0">
+                <a:solidFill>
                   <a:schemeClr val="bg1"/>
                 </a:solidFill>
               </a:rPr>
-              <a:t>工厂方法模式、抽象工厂模式、单例模式、建造者模式、原型模式</a:t>
-            </a:r>
-            <a:endParaRPr lang="zh-CN" altLang="en-US" sz="1600" dirty="0">
-              <a:solidFill>
-                <a:schemeClr val="bg1"/>
-              </a:solidFill>
-            </a:endParaRPr>
+              <a:t>、</a:t>
+            </a:r>
+            <a:r>
+              <a:rPr lang="zh-CN" altLang="en-US" sz="1600" dirty="0">
+                <a:solidFill>
+                  <a:srgbClr val="FF0000"/>
+                </a:solidFill>
+              </a:rPr>
+              <a:t>工厂方法模式</a:t>
+            </a:r>
+            <a:r>
+              <a:rPr lang="zh-CN" altLang="en-US" sz="1600" dirty="0">
+                <a:solidFill>
+                  <a:schemeClr val="bg1"/>
+                </a:solidFill>
+              </a:rPr>
+              <a:t>、</a:t>
+            </a:r>
+            <a:r>
+              <a:rPr lang="zh-CN" altLang="en-US" sz="1600" dirty="0">
+                <a:solidFill>
+                  <a:srgbClr val="FF0000"/>
+                </a:solidFill>
+              </a:rPr>
+              <a:t>抽象工厂模式</a:t>
+            </a:r>
+            <a:r>
+              <a:rPr lang="zh-CN" altLang="en-US" sz="1600" dirty="0">
+                <a:solidFill>
+                  <a:schemeClr val="bg1"/>
+                </a:solidFill>
+              </a:rPr>
+              <a:t>、建造者模式、原型模式、</a:t>
+            </a:r>
+            <a:r>
+              <a:rPr lang="zh-CN" altLang="en-US" sz="1600" dirty="0">
+                <a:solidFill>
+                  <a:srgbClr val="FF0000"/>
+                </a:solidFill>
+              </a:rPr>
+              <a:t>单例模式</a:t>
+            </a:r>
           </a:p>
         </p:txBody>
       </p:sp>
@@ -4798,7 +5025,7 @@
         <p:spPr>
           <a:xfrm>
             <a:off x="2469658" y="3585738"/>
-            <a:ext cx="7713785" cy="707886"/>
+            <a:ext cx="8865607" cy="461665"/>
           </a:xfrm>
           <a:prstGeom prst="rect">
             <a:avLst/>
@@ -4825,13 +5052,40 @@
                   <a:schemeClr val="bg1"/>
                 </a:solidFill>
               </a:rPr>
-              <a:t>适配器模式、装饰器模式、代理模式、桥接模式、组合模式、外观模式、享元模式</a:t>
-            </a:r>
-            <a:endParaRPr lang="zh-CN" altLang="en-US" sz="1600" dirty="0">
-              <a:solidFill>
-                <a:schemeClr val="bg1"/>
-              </a:solidFill>
-            </a:endParaRPr>
+              <a:t>外观模式、适配器模式、</a:t>
+            </a:r>
+            <a:r>
+              <a:rPr lang="zh-CN" altLang="en-US" sz="1600" dirty="0">
+                <a:solidFill>
+                  <a:srgbClr val="FF0000"/>
+                </a:solidFill>
+              </a:rPr>
+              <a:t>代理模式</a:t>
+            </a:r>
+            <a:r>
+              <a:rPr lang="zh-CN" altLang="en-US" sz="1600" dirty="0">
+                <a:solidFill>
+                  <a:schemeClr val="bg1"/>
+                </a:solidFill>
+              </a:rPr>
+              <a:t>、装饰器模式、</a:t>
+            </a:r>
+            <a:r>
+              <a:rPr lang="zh-CN" altLang="en-US" sz="1600" dirty="0">
+                <a:solidFill>
+                  <a:srgbClr val="FF0000"/>
+                </a:solidFill>
+              </a:rPr>
+              <a:t>桥接模式</a:t>
+            </a:r>
+            <a:r>
+              <a:rPr lang="zh-CN" altLang="en-US" sz="1600" dirty="0">
+                <a:solidFill>
+                  <a:schemeClr val="bg1"/>
+                </a:solidFill>
+              </a:rPr>
+              <a:t>、组合模式、享元模式</a:t>
+            </a:r>
           </a:p>
         </p:txBody>
       </p:sp>
@@ -4843,7 +5097,7 @@
         </p:nvSpPr>
         <p:spPr>
           <a:xfrm>
-            <a:off x="2469658" y="4760018"/>
+            <a:off x="2469658" y="4513797"/>
             <a:ext cx="7713785" cy="707886"/>
           </a:xfrm>
           <a:prstGeom prst="rect">
@@ -4866,26 +5120,61 @@
               <a:t>行为型：</a:t>
             </a:r>
             <a:r>
-              <a:rPr lang="zh-CN" altLang="en-US" sz="1600" dirty="0" smtClean="0">
+              <a:rPr lang="zh-CN" altLang="en-US" sz="1600" dirty="0">
                 <a:solidFill>
                   <a:schemeClr val="bg1"/>
                 </a:solidFill>
               </a:rPr>
-              <a:t>策略</a:t>
+              <a:t>模板方法模式、</a:t>
             </a:r>
             <a:r>
               <a:rPr lang="zh-CN" altLang="en-US" sz="1600" dirty="0">
                 <a:solidFill>
+                  <a:srgbClr val="FF0000"/>
+                </a:solidFill>
+              </a:rPr>
+              <a:t>观察者模式</a:t>
+            </a:r>
+            <a:r>
+              <a:rPr lang="zh-CN" altLang="en-US" sz="1600" dirty="0">
+                <a:solidFill>
                   <a:schemeClr val="bg1"/>
                 </a:solidFill>
               </a:rPr>
-              <a:t>模式、观察者模式、模板方法模式、迭代子模式、责任链模式、命令模式、备忘录模式、状态模式、访问者模式、中介者模式、解释器模式</a:t>
-            </a:r>
-            <a:endParaRPr lang="zh-CN" altLang="en-US" sz="1600" dirty="0">
-              <a:solidFill>
-                <a:schemeClr val="bg1"/>
-              </a:solidFill>
-            </a:endParaRPr>
+              <a:t>、状态模式、</a:t>
+            </a:r>
+            <a:r>
+              <a:rPr lang="zh-CN" altLang="en-US" sz="1600" dirty="0">
+                <a:solidFill>
+                  <a:srgbClr val="FF0000"/>
+                </a:solidFill>
+              </a:rPr>
+              <a:t>策略模式</a:t>
+            </a:r>
+            <a:r>
+              <a:rPr lang="zh-CN" altLang="en-US" sz="1600" dirty="0">
+                <a:solidFill>
+                  <a:schemeClr val="bg1"/>
+                </a:solidFill>
+              </a:rPr>
+              <a:t>、责任链模式、</a:t>
+            </a:r>
+            <a:r>
+              <a:rPr lang="zh-CN" altLang="en-US" sz="1600" dirty="0">
+                <a:solidFill>
+                  <a:srgbClr val="FF0000"/>
+                </a:solidFill>
+              </a:rPr>
+              <a:t>命令模式</a:t>
+            </a:r>
+            <a:r>
+              <a:rPr lang="zh-CN" altLang="en-US" sz="1600" dirty="0">
+                <a:solidFill>
+                  <a:schemeClr val="bg1"/>
+                </a:solidFill>
+              </a:rPr>
+              <a:t>、访问者模式、中介者模式、备忘录模式、迭代器模式、解释器模式</a:t>
+            </a:r>
           </a:p>
         </p:txBody>
       </p:sp>
@@ -5072,7 +5361,7 @@
 </p:sld>
 </file>
 
-<file path=ppt/slides/slide7.xml><?xml version="1.0" encoding="utf-8"?>
+<file path=ppt/slides/slide8.xml><?xml version="1.0" encoding="utf-8"?>
 <p:sld xmlns:a="http://schemas.openxmlformats.org/drawingml/2006/main" xmlns:r="http://schemas.openxmlformats.org/officeDocument/2006/relationships" xmlns:p="http://schemas.openxmlformats.org/presentationml/2006/main">
   <p:cSld>
     <p:spTree>
@@ -5778,7 +6067,7 @@
 </p:sld>
 </file>
 
-<file path=ppt/slides/slide8.xml><?xml version="1.0" encoding="utf-8"?>
+<file path=ppt/slides/slide9.xml><?xml version="1.0" encoding="utf-8"?>
 <p:sld xmlns:a="http://schemas.openxmlformats.org/drawingml/2006/main" xmlns:r="http://schemas.openxmlformats.org/officeDocument/2006/relationships" xmlns:p="http://schemas.openxmlformats.org/presentationml/2006/main">
   <p:cSld>
     <p:spTree>
@@ -5803,7 +6092,7 @@
         </p:nvSpPr>
         <p:spPr>
           <a:xfrm>
-            <a:off x="0" y="1117601"/>
+            <a:off x="-306486" y="748453"/>
             <a:ext cx="12129477" cy="1015663"/>
           </a:xfrm>
           <a:prstGeom prst="rect">
@@ -5836,206 +6125,495 @@
       </p:sp>
       <p:sp>
         <p:nvSpPr>
-          <p:cNvPr id="4" name="文本框 3"/>
-          <p:cNvSpPr txBox="1"/>
+          <p:cNvPr id="3" name="矩形 2"/>
+          <p:cNvSpPr/>
           <p:nvPr/>
         </p:nvSpPr>
         <p:spPr>
           <a:xfrm>
-            <a:off x="2622057" y="2749382"/>
-            <a:ext cx="7713785" cy="461665"/>
+            <a:off x="2075940" y="2466895"/>
+            <a:ext cx="543697" cy="3380250"/>
           </a:xfrm>
           <a:prstGeom prst="rect">
             <a:avLst/>
           </a:prstGeom>
-          <a:noFill/>
-        </p:spPr>
-        <p:txBody>
-          <a:bodyPr wrap="square" rtlCol="0">
-            <a:spAutoFit/>
-          </a:bodyPr>
-          <a:lstStyle/>
-          <a:p>
-            <a:r>
-              <a:rPr lang="zh-CN" altLang="en-US" sz="2400" dirty="0" smtClean="0">
-                <a:solidFill>
-                  <a:schemeClr val="bg1"/>
-                </a:solidFill>
-              </a:rPr>
+          <a:solidFill>
+            <a:schemeClr val="accent2"/>
+          </a:solidFill>
+        </p:spPr>
+        <p:style>
+          <a:lnRef idx="2">
+            <a:schemeClr val="accent1">
+              <a:shade val="50000"/>
+            </a:schemeClr>
+          </a:lnRef>
+          <a:fillRef idx="1">
+            <a:schemeClr val="accent1"/>
+          </a:fillRef>
+          <a:effectRef idx="0">
+            <a:schemeClr val="accent1"/>
+          </a:effectRef>
+          <a:fontRef idx="minor">
+            <a:schemeClr val="lt1"/>
+          </a:fontRef>
+        </p:style>
+        <p:txBody>
+          <a:bodyPr rtlCol="0" anchor="ctr"/>
+          <a:lstStyle/>
+          <a:p>
+            <a:pPr algn="ctr"/>
+            <a:r>
+              <a:rPr lang="zh-CN" altLang="en-US" dirty="0" smtClean="0"/>
               <a:t>抽象</a:t>
             </a:r>
-            <a:endParaRPr lang="zh-CN" altLang="en-US" sz="2400" dirty="0">
-              <a:solidFill>
-                <a:srgbClr val="C00000"/>
-              </a:solidFill>
-            </a:endParaRPr>
-          </a:p>
-        </p:txBody>
-      </p:sp>
-      <p:sp>
-        <p:nvSpPr>
-          <p:cNvPr id="5" name="文本框 4"/>
-          <p:cNvSpPr txBox="1"/>
+            <a:endParaRPr lang="zh-CN" altLang="en-US" dirty="0"/>
+          </a:p>
+        </p:txBody>
+      </p:sp>
+      <p:sp>
+        <p:nvSpPr>
+          <p:cNvPr id="9" name="矩形 8"/>
+          <p:cNvSpPr/>
           <p:nvPr/>
         </p:nvSpPr>
         <p:spPr>
           <a:xfrm>
-            <a:off x="2622052" y="3287946"/>
-            <a:ext cx="7713785" cy="461665"/>
+            <a:off x="2619636" y="5344637"/>
+            <a:ext cx="7405819" cy="502508"/>
           </a:xfrm>
           <a:prstGeom prst="rect">
             <a:avLst/>
           </a:prstGeom>
-          <a:noFill/>
-        </p:spPr>
-        <p:txBody>
-          <a:bodyPr wrap="square" rtlCol="0">
-            <a:spAutoFit/>
-          </a:bodyPr>
-          <a:lstStyle/>
-          <a:p>
-            <a:r>
-              <a:rPr lang="zh-CN" altLang="en-US" sz="2400" dirty="0" smtClean="0">
-                <a:solidFill>
-                  <a:schemeClr val="bg1"/>
-                </a:solidFill>
-              </a:rPr>
-              <a:t>封装</a:t>
-            </a:r>
-            <a:endParaRPr lang="zh-CN" altLang="en-US" sz="2400" dirty="0">
-              <a:solidFill>
-                <a:srgbClr val="C00000"/>
-              </a:solidFill>
-            </a:endParaRPr>
-          </a:p>
-        </p:txBody>
-      </p:sp>
-      <p:sp>
-        <p:nvSpPr>
-          <p:cNvPr id="6" name="文本框 5"/>
-          <p:cNvSpPr txBox="1"/>
+          <a:solidFill>
+            <a:srgbClr val="C00000"/>
+          </a:solidFill>
+        </p:spPr>
+        <p:style>
+          <a:lnRef idx="2">
+            <a:schemeClr val="accent1">
+              <a:shade val="50000"/>
+            </a:schemeClr>
+          </a:lnRef>
+          <a:fillRef idx="1">
+            <a:schemeClr val="accent1"/>
+          </a:fillRef>
+          <a:effectRef idx="0">
+            <a:schemeClr val="accent1"/>
+          </a:effectRef>
+          <a:fontRef idx="minor">
+            <a:schemeClr val="lt1"/>
+          </a:fontRef>
+        </p:style>
+        <p:txBody>
+          <a:bodyPr rtlCol="0" anchor="ctr"/>
+          <a:lstStyle/>
+          <a:p>
+            <a:pPr algn="ctr"/>
+            <a:r>
+              <a:rPr lang="zh-CN" altLang="en-US" dirty="0" smtClean="0"/>
+              <a:t>设计的原则</a:t>
+            </a:r>
+            <a:endParaRPr lang="zh-CN" altLang="en-US" dirty="0"/>
+          </a:p>
+        </p:txBody>
+      </p:sp>
+      <p:sp>
+        <p:nvSpPr>
+          <p:cNvPr id="10" name="矩形 9"/>
+          <p:cNvSpPr/>
           <p:nvPr/>
         </p:nvSpPr>
         <p:spPr>
           <a:xfrm>
-            <a:off x="2622052" y="3868665"/>
-            <a:ext cx="7713785" cy="461665"/>
+            <a:off x="3338388" y="2466895"/>
+            <a:ext cx="4209535" cy="2105106"/>
           </a:xfrm>
           <a:prstGeom prst="rect">
             <a:avLst/>
           </a:prstGeom>
-          <a:noFill/>
-        </p:spPr>
-        <p:txBody>
-          <a:bodyPr wrap="square" rtlCol="0">
-            <a:spAutoFit/>
-          </a:bodyPr>
-          <a:lstStyle/>
-          <a:p>
-            <a:r>
-              <a:rPr lang="zh-CN" altLang="en-US" sz="2400" dirty="0" smtClean="0">
-                <a:solidFill>
-                  <a:schemeClr val="bg1"/>
-                </a:solidFill>
-              </a:rPr>
-              <a:t>继承与组合</a:t>
-            </a:r>
-            <a:endParaRPr lang="zh-CN" altLang="en-US" sz="2400" dirty="0">
-              <a:solidFill>
-                <a:srgbClr val="C00000"/>
-              </a:solidFill>
-            </a:endParaRPr>
-          </a:p>
-        </p:txBody>
-      </p:sp>
-      <p:sp>
-        <p:nvSpPr>
-          <p:cNvPr id="7" name="文本框 6"/>
-          <p:cNvSpPr txBox="1"/>
+        </p:spPr>
+        <p:style>
+          <a:lnRef idx="2">
+            <a:schemeClr val="accent1">
+              <a:shade val="50000"/>
+            </a:schemeClr>
+          </a:lnRef>
+          <a:fillRef idx="1">
+            <a:schemeClr val="accent1"/>
+          </a:fillRef>
+          <a:effectRef idx="0">
+            <a:schemeClr val="accent1"/>
+          </a:effectRef>
+          <a:fontRef idx="minor">
+            <a:schemeClr val="lt1"/>
+          </a:fontRef>
+        </p:style>
+        <p:txBody>
+          <a:bodyPr rtlCol="0" anchor="ctr"/>
+          <a:lstStyle/>
+          <a:p>
+            <a:pPr algn="ctr"/>
+            <a:r>
+              <a:rPr lang="zh-CN" altLang="en-US" dirty="0" smtClean="0"/>
+              <a:t>软件开发设计</a:t>
+            </a:r>
+            <a:endParaRPr lang="zh-CN" altLang="en-US" dirty="0"/>
+          </a:p>
+        </p:txBody>
+      </p:sp>
+      <p:sp>
+        <p:nvSpPr>
+          <p:cNvPr id="11" name="椭圆 10"/>
+          <p:cNvSpPr/>
           <p:nvPr/>
         </p:nvSpPr>
         <p:spPr>
           <a:xfrm>
-            <a:off x="2622051" y="4466764"/>
-            <a:ext cx="7713785" cy="461665"/>
-          </a:xfrm>
-          <a:prstGeom prst="rect">
+            <a:off x="8859801" y="2615176"/>
+            <a:ext cx="815546" cy="518984"/>
+          </a:xfrm>
+          <a:prstGeom prst="ellipse">
+            <a:avLst/>
+          </a:prstGeom>
+          <a:solidFill>
+            <a:srgbClr val="00B050"/>
+          </a:solidFill>
+        </p:spPr>
+        <p:style>
+          <a:lnRef idx="2">
+            <a:schemeClr val="accent1">
+              <a:shade val="50000"/>
+            </a:schemeClr>
+          </a:lnRef>
+          <a:fillRef idx="1">
+            <a:schemeClr val="accent1"/>
+          </a:fillRef>
+          <a:effectRef idx="0">
+            <a:schemeClr val="accent1"/>
+          </a:effectRef>
+          <a:fontRef idx="minor">
+            <a:schemeClr val="lt1"/>
+          </a:fontRef>
+        </p:style>
+        <p:txBody>
+          <a:bodyPr rtlCol="0" anchor="ctr"/>
+          <a:lstStyle/>
+          <a:p>
+            <a:pPr algn="ctr"/>
+            <a:r>
+              <a:rPr lang="zh-CN" altLang="en-US" sz="1400" dirty="0" smtClean="0"/>
+              <a:t>封装</a:t>
+            </a:r>
+            <a:endParaRPr lang="zh-CN" altLang="en-US" sz="1400" dirty="0"/>
+          </a:p>
+        </p:txBody>
+      </p:sp>
+      <p:sp>
+        <p:nvSpPr>
+          <p:cNvPr id="13" name="椭圆 12"/>
+          <p:cNvSpPr/>
+          <p:nvPr/>
+        </p:nvSpPr>
+        <p:spPr>
+          <a:xfrm>
+            <a:off x="8847444" y="3189765"/>
+            <a:ext cx="815546" cy="518984"/>
+          </a:xfrm>
+          <a:prstGeom prst="ellipse">
+            <a:avLst/>
+          </a:prstGeom>
+          <a:solidFill>
+            <a:srgbClr val="00B050"/>
+          </a:solidFill>
+        </p:spPr>
+        <p:style>
+          <a:lnRef idx="2">
+            <a:schemeClr val="accent1">
+              <a:shade val="50000"/>
+            </a:schemeClr>
+          </a:lnRef>
+          <a:fillRef idx="1">
+            <a:schemeClr val="accent1"/>
+          </a:fillRef>
+          <a:effectRef idx="0">
+            <a:schemeClr val="accent1"/>
+          </a:effectRef>
+          <a:fontRef idx="minor">
+            <a:schemeClr val="lt1"/>
+          </a:fontRef>
+        </p:style>
+        <p:txBody>
+          <a:bodyPr rtlCol="0" anchor="ctr"/>
+          <a:lstStyle/>
+          <a:p>
+            <a:pPr algn="ctr"/>
+            <a:r>
+              <a:rPr lang="zh-CN" altLang="en-US" sz="1400" dirty="0" smtClean="0"/>
+              <a:t>继承</a:t>
+            </a:r>
+            <a:endParaRPr lang="zh-CN" altLang="en-US" sz="1400" dirty="0"/>
+          </a:p>
+        </p:txBody>
+      </p:sp>
+      <p:sp>
+        <p:nvSpPr>
+          <p:cNvPr id="14" name="椭圆 13"/>
+          <p:cNvSpPr/>
+          <p:nvPr/>
+        </p:nvSpPr>
+        <p:spPr>
+          <a:xfrm>
+            <a:off x="8859801" y="3764354"/>
+            <a:ext cx="815546" cy="518984"/>
+          </a:xfrm>
+          <a:prstGeom prst="ellipse">
+            <a:avLst/>
+          </a:prstGeom>
+          <a:solidFill>
+            <a:srgbClr val="00B050"/>
+          </a:solidFill>
+        </p:spPr>
+        <p:style>
+          <a:lnRef idx="2">
+            <a:schemeClr val="accent1">
+              <a:shade val="50000"/>
+            </a:schemeClr>
+          </a:lnRef>
+          <a:fillRef idx="1">
+            <a:schemeClr val="accent1"/>
+          </a:fillRef>
+          <a:effectRef idx="0">
+            <a:schemeClr val="accent1"/>
+          </a:effectRef>
+          <a:fontRef idx="minor">
+            <a:schemeClr val="lt1"/>
+          </a:fontRef>
+        </p:style>
+        <p:txBody>
+          <a:bodyPr rtlCol="0" anchor="ctr"/>
+          <a:lstStyle/>
+          <a:p>
+            <a:pPr algn="ctr"/>
+            <a:r>
+              <a:rPr lang="zh-CN" altLang="en-US" sz="1400" dirty="0" smtClean="0"/>
+              <a:t>组合</a:t>
+            </a:r>
+            <a:endParaRPr lang="zh-CN" altLang="en-US" sz="1400" dirty="0"/>
+          </a:p>
+        </p:txBody>
+      </p:sp>
+      <p:sp>
+        <p:nvSpPr>
+          <p:cNvPr id="15" name="椭圆 14"/>
+          <p:cNvSpPr/>
+          <p:nvPr/>
+        </p:nvSpPr>
+        <p:spPr>
+          <a:xfrm>
+            <a:off x="8847444" y="4312509"/>
+            <a:ext cx="815546" cy="518984"/>
+          </a:xfrm>
+          <a:prstGeom prst="ellipse">
+            <a:avLst/>
+          </a:prstGeom>
+          <a:solidFill>
+            <a:srgbClr val="00B050"/>
+          </a:solidFill>
+        </p:spPr>
+        <p:style>
+          <a:lnRef idx="2">
+            <a:schemeClr val="accent1">
+              <a:shade val="50000"/>
+            </a:schemeClr>
+          </a:lnRef>
+          <a:fillRef idx="1">
+            <a:schemeClr val="accent1"/>
+          </a:fillRef>
+          <a:effectRef idx="0">
+            <a:schemeClr val="accent1"/>
+          </a:effectRef>
+          <a:fontRef idx="minor">
+            <a:schemeClr val="lt1"/>
+          </a:fontRef>
+        </p:style>
+        <p:txBody>
+          <a:bodyPr rtlCol="0" anchor="ctr"/>
+          <a:lstStyle/>
+          <a:p>
+            <a:pPr algn="ctr"/>
+            <a:r>
+              <a:rPr lang="zh-CN" altLang="en-US" sz="1400" dirty="0" smtClean="0"/>
+              <a:t>多态</a:t>
+            </a:r>
+            <a:endParaRPr lang="zh-CN" altLang="en-US" sz="1400" dirty="0"/>
+          </a:p>
+        </p:txBody>
+      </p:sp>
+      <p:sp>
+        <p:nvSpPr>
+          <p:cNvPr id="16" name="右箭头 15"/>
+          <p:cNvSpPr/>
+          <p:nvPr/>
+        </p:nvSpPr>
+        <p:spPr>
+          <a:xfrm>
+            <a:off x="2689453" y="3504692"/>
+            <a:ext cx="593536" cy="739686"/>
+          </a:xfrm>
+          <a:prstGeom prst="rightArrow">
+            <a:avLst/>
+          </a:prstGeom>
+        </p:spPr>
+        <p:style>
+          <a:lnRef idx="2">
+            <a:schemeClr val="accent1">
+              <a:shade val="50000"/>
+            </a:schemeClr>
+          </a:lnRef>
+          <a:fillRef idx="1">
+            <a:schemeClr val="accent1"/>
+          </a:fillRef>
+          <a:effectRef idx="0">
+            <a:schemeClr val="accent1"/>
+          </a:effectRef>
+          <a:fontRef idx="minor">
+            <a:schemeClr val="lt1"/>
+          </a:fontRef>
+        </p:style>
+        <p:txBody>
+          <a:bodyPr rtlCol="0" anchor="ctr"/>
+          <a:lstStyle/>
+          <a:p>
+            <a:pPr algn="ctr"/>
+            <a:endParaRPr lang="zh-CN" altLang="en-US"/>
+          </a:p>
+        </p:txBody>
+      </p:sp>
+      <p:sp>
+        <p:nvSpPr>
+          <p:cNvPr id="17" name="上箭头 16"/>
+          <p:cNvSpPr/>
+          <p:nvPr/>
+        </p:nvSpPr>
+        <p:spPr>
+          <a:xfrm>
+            <a:off x="5630155" y="4712043"/>
+            <a:ext cx="572941" cy="632594"/>
+          </a:xfrm>
+          <a:prstGeom prst="upArrow">
+            <a:avLst/>
+          </a:prstGeom>
+        </p:spPr>
+        <p:style>
+          <a:lnRef idx="2">
+            <a:schemeClr val="accent1">
+              <a:shade val="50000"/>
+            </a:schemeClr>
+          </a:lnRef>
+          <a:fillRef idx="1">
+            <a:schemeClr val="accent1"/>
+          </a:fillRef>
+          <a:effectRef idx="0">
+            <a:schemeClr val="accent1"/>
+          </a:effectRef>
+          <a:fontRef idx="minor">
+            <a:schemeClr val="lt1"/>
+          </a:fontRef>
+        </p:style>
+        <p:txBody>
+          <a:bodyPr rtlCol="0" anchor="ctr"/>
+          <a:lstStyle/>
+          <a:p>
+            <a:pPr algn="ctr"/>
+            <a:endParaRPr lang="zh-CN" altLang="en-US"/>
+          </a:p>
+        </p:txBody>
+      </p:sp>
+      <p:sp>
+        <p:nvSpPr>
+          <p:cNvPr id="18" name="圆角矩形 17"/>
+          <p:cNvSpPr/>
+          <p:nvPr/>
+        </p:nvSpPr>
+        <p:spPr>
+          <a:xfrm>
+            <a:off x="8460266" y="2466895"/>
+            <a:ext cx="1565189" cy="2492283"/>
+          </a:xfrm>
+          <a:prstGeom prst="roundRect">
             <a:avLst/>
           </a:prstGeom>
           <a:noFill/>
         </p:spPr>
-        <p:txBody>
-          <a:bodyPr wrap="square" rtlCol="0">
-            <a:spAutoFit/>
-          </a:bodyPr>
-          <a:lstStyle/>
-          <a:p>
-            <a:r>
-              <a:rPr lang="zh-CN" altLang="en-US" sz="2400" dirty="0" smtClean="0">
-                <a:solidFill>
-                  <a:schemeClr val="bg1"/>
-                </a:solidFill>
-              </a:rPr>
-              <a:t>多态</a:t>
-            </a:r>
-            <a:endParaRPr lang="zh-CN" altLang="en-US" sz="2400" dirty="0">
-              <a:solidFill>
-                <a:srgbClr val="C00000"/>
-              </a:solidFill>
-            </a:endParaRPr>
-          </a:p>
-        </p:txBody>
-      </p:sp>
-      <p:sp>
-        <p:nvSpPr>
-          <p:cNvPr id="8" name="文本框 7"/>
-          <p:cNvSpPr txBox="1"/>
+        <p:style>
+          <a:lnRef idx="2">
+            <a:schemeClr val="accent1">
+              <a:shade val="50000"/>
+            </a:schemeClr>
+          </a:lnRef>
+          <a:fillRef idx="1">
+            <a:schemeClr val="accent1"/>
+          </a:fillRef>
+          <a:effectRef idx="0">
+            <a:schemeClr val="accent1"/>
+          </a:effectRef>
+          <a:fontRef idx="minor">
+            <a:schemeClr val="lt1"/>
+          </a:fontRef>
+        </p:style>
+        <p:txBody>
+          <a:bodyPr rtlCol="0" anchor="ctr"/>
+          <a:lstStyle/>
+          <a:p>
+            <a:pPr algn="ctr"/>
+            <a:endParaRPr lang="zh-CN" altLang="en-US"/>
+          </a:p>
+        </p:txBody>
+      </p:sp>
+      <p:sp>
+        <p:nvSpPr>
+          <p:cNvPr id="19" name="左箭头 18"/>
+          <p:cNvSpPr/>
           <p:nvPr/>
         </p:nvSpPr>
         <p:spPr>
           <a:xfrm>
-            <a:off x="2622051" y="5077793"/>
-            <a:ext cx="7713785" cy="461665"/>
-          </a:xfrm>
-          <a:prstGeom prst="rect">
+            <a:off x="7603322" y="3504692"/>
+            <a:ext cx="724930" cy="629335"/>
+          </a:xfrm>
+          <a:prstGeom prst="leftArrow">
             <a:avLst/>
           </a:prstGeom>
-          <a:noFill/>
-        </p:spPr>
-        <p:txBody>
-          <a:bodyPr wrap="square" rtlCol="0">
-            <a:spAutoFit/>
-          </a:bodyPr>
-          <a:lstStyle/>
-          <a:p>
-            <a:r>
-              <a:rPr lang="en-US" altLang="zh-CN" sz="2400" dirty="0" smtClean="0">
-                <a:solidFill>
-                  <a:schemeClr val="bg1"/>
-                </a:solidFill>
-              </a:rPr>
-              <a:t>6</a:t>
-            </a:r>
-            <a:r>
-              <a:rPr lang="zh-CN" altLang="en-US" sz="2400" dirty="0" smtClean="0">
-                <a:solidFill>
-                  <a:schemeClr val="bg1"/>
-                </a:solidFill>
-              </a:rPr>
-              <a:t>个原则</a:t>
-            </a:r>
-            <a:endParaRPr lang="zh-CN" altLang="en-US" sz="2400" dirty="0">
-              <a:solidFill>
-                <a:srgbClr val="C00000"/>
-              </a:solidFill>
-            </a:endParaRPr>
+        </p:spPr>
+        <p:style>
+          <a:lnRef idx="2">
+            <a:schemeClr val="accent1">
+              <a:shade val="50000"/>
+            </a:schemeClr>
+          </a:lnRef>
+          <a:fillRef idx="1">
+            <a:schemeClr val="accent1"/>
+          </a:fillRef>
+          <a:effectRef idx="0">
+            <a:schemeClr val="accent1"/>
+          </a:effectRef>
+          <a:fontRef idx="minor">
+            <a:schemeClr val="lt1"/>
+          </a:fontRef>
+        </p:style>
+        <p:txBody>
+          <a:bodyPr rtlCol="0" anchor="ctr"/>
+          <a:lstStyle/>
+          <a:p>
+            <a:pPr algn="ctr"/>
+            <a:endParaRPr lang="zh-CN" altLang="en-US"/>
           </a:p>
         </p:txBody>
       </p:sp>
     </p:spTree>
     <p:extLst>
       <p:ext uri="{BB962C8B-B14F-4D97-AF65-F5344CB8AC3E}">
-        <p14:creationId xmlns:p14="http://schemas.microsoft.com/office/powerpoint/2010/main" val="3796892767"/>
+        <p14:creationId xmlns:p14="http://schemas.microsoft.com/office/powerpoint/2010/main" val="2877306292"/>
       </p:ext>
     </p:extLst>
   </p:cSld>

--- a/designpattern/ppt/设计模式（一）.pptx
+++ b/designpattern/ppt/设计模式（一）.pptx
@@ -3048,7 +3048,15 @@
                   <a:schemeClr val="bg1"/>
                 </a:solidFill>
               </a:rPr>
-              <a:t> 设计模式在</a:t>
+              <a:t> 设计</a:t>
+            </a:r>
+            <a:r>
+              <a:rPr lang="zh-CN" altLang="en-US" sz="2400" dirty="0" smtClean="0">
+                <a:solidFill>
+                  <a:schemeClr val="bg1"/>
+                </a:solidFill>
+              </a:rPr>
+              <a:t>模式（</a:t>
             </a:r>
             <a:r>
               <a:rPr lang="en-US" altLang="zh-CN" sz="2400" dirty="0" err="1" smtClean="0">
@@ -3064,7 +3072,15 @@
                   <a:schemeClr val="bg1"/>
                 </a:solidFill>
               </a:rPr>
-              <a:t>中的应用（一）</a:t>
+              <a:t>）（</a:t>
+            </a:r>
+            <a:r>
+              <a:rPr lang="zh-CN" altLang="en-US" sz="2400" dirty="0" smtClean="0">
+                <a:solidFill>
+                  <a:schemeClr val="bg1"/>
+                </a:solidFill>
+              </a:rPr>
+              <a:t>一）</a:t>
             </a:r>
             <a:endParaRPr lang="zh-CN" altLang="en-US" sz="2400" dirty="0">
               <a:solidFill>
